--- a/第5小组 大作业期末汇报.pptx
+++ b/第5小组 大作业期末汇报.pptx
@@ -5847,13 +5847,13 @@
   <p:clrMapOvr>
     <a:masterClrMapping/>
   </p:clrMapOvr>
-  <mc:AlternateContent xmlns:mc="http://schemas.openxmlformats.org/markup-compatibility/2006">
-    <mc:Choice xmlns:p159="http://schemas.microsoft.com/office/powerpoint/2015/09/main" Requires="p159">
+  <mc:AlternateContent xmlns:mc="http://schemas.openxmlformats.org/markup-compatibility/2006" xmlns:p159="http://schemas.microsoft.com/office/powerpoint/2015/09/main">
+    <mc:Choice Requires="p159">
       <p:transition xmlns:p14="http://schemas.microsoft.com/office/powerpoint/2010/main" spd="slow" p14:dur="2000">
         <p159:morph option="byObject"/>
       </p:transition>
     </mc:Choice>
-    <mc:Fallback>
+    <mc:Fallback xmlns="">
       <p:transition spd="slow">
         <p:fade/>
       </p:transition>
@@ -5879,8 +5879,8 @@
           <a:chExt cx="0" cy="0"/>
         </a:xfrm>
       </p:grpSpPr>
-      <mc:AlternateContent xmlns:mc="http://schemas.openxmlformats.org/markup-compatibility/2006">
-        <mc:Choice xmlns:a14="http://schemas.microsoft.com/office/drawing/2010/main" Requires="a14">
+      <mc:AlternateContent xmlns:mc="http://schemas.openxmlformats.org/markup-compatibility/2006" xmlns:a14="http://schemas.microsoft.com/office/drawing/2010/main">
+        <mc:Choice Requires="a14">
           <p:sp>
             <p:nvSpPr>
               <p:cNvPr id="2" name="内容占位符 1">
@@ -6247,7 +6247,7 @@
             </p:txBody>
           </p:sp>
         </mc:Choice>
-        <mc:Fallback>
+        <mc:Fallback xmlns="">
           <p:sp>
             <p:nvSpPr>
               <p:cNvPr id="2" name="内容占位符 1">
@@ -6452,8 +6452,8 @@
           </a:prstGeom>
         </p:spPr>
       </p:pic>
-      <mc:AlternateContent xmlns:mc="http://schemas.openxmlformats.org/markup-compatibility/2006">
-        <mc:Choice xmlns:a14="http://schemas.microsoft.com/office/drawing/2010/main" Requires="a14">
+      <mc:AlternateContent xmlns:mc="http://schemas.openxmlformats.org/markup-compatibility/2006" xmlns:a14="http://schemas.microsoft.com/office/drawing/2010/main">
+        <mc:Choice Requires="a14">
           <p:sp>
             <p:nvSpPr>
               <p:cNvPr id="8" name="文本框 7">
@@ -6985,7 +6985,7 @@
             </p:txBody>
           </p:sp>
         </mc:Choice>
-        <mc:Fallback>
+        <mc:Fallback xmlns="">
           <p:sp>
             <p:nvSpPr>
               <p:cNvPr id="8" name="文本框 7">
@@ -7030,8 +7030,8 @@
           </p:sp>
         </mc:Fallback>
       </mc:AlternateContent>
-      <mc:AlternateContent xmlns:mc="http://schemas.openxmlformats.org/markup-compatibility/2006">
-        <mc:Choice xmlns:a14="http://schemas.microsoft.com/office/drawing/2010/main" Requires="a14">
+      <mc:AlternateContent xmlns:mc="http://schemas.openxmlformats.org/markup-compatibility/2006" xmlns:a14="http://schemas.microsoft.com/office/drawing/2010/main">
+        <mc:Choice Requires="a14">
           <p:sp>
             <p:nvSpPr>
               <p:cNvPr id="9" name="文本框 8">
@@ -7363,7 +7363,6 @@
                 </a:endParaRPr>
               </a:p>
               <a:p>
-                <a:pPr/>
                 <a14:m>
                   <m:oMath xmlns:m="http://schemas.openxmlformats.org/officeDocument/2006/math">
                     <m:r>
@@ -7452,7 +7451,7 @@
             </p:txBody>
           </p:sp>
         </mc:Choice>
-        <mc:Fallback>
+        <mc:Fallback xmlns="">
           <p:sp>
             <p:nvSpPr>
               <p:cNvPr id="9" name="文本框 8">
@@ -7507,13 +7506,13 @@
   <p:clrMapOvr>
     <a:masterClrMapping/>
   </p:clrMapOvr>
-  <mc:AlternateContent xmlns:mc="http://schemas.openxmlformats.org/markup-compatibility/2006">
-    <mc:Choice xmlns:p159="http://schemas.microsoft.com/office/powerpoint/2015/09/main" Requires="p159">
+  <mc:AlternateContent xmlns:mc="http://schemas.openxmlformats.org/markup-compatibility/2006" xmlns:p159="http://schemas.microsoft.com/office/powerpoint/2015/09/main">
+    <mc:Choice Requires="p159">
       <p:transition xmlns:p14="http://schemas.microsoft.com/office/powerpoint/2010/main" spd="slow" p14:dur="2000">
         <p159:morph option="byObject"/>
       </p:transition>
     </mc:Choice>
-    <mc:Fallback>
+    <mc:Fallback xmlns="">
       <p:transition spd="slow">
         <p:fade/>
       </p:transition>
